--- a/Midterm4/Ristori_midterm4.pptx
+++ b/Midterm4/Ristori_midterm4.pptx
@@ -351,7 +351,7 @@
           <a:p>
             <a:fld id="{73BC06E7-3E2C-4C26-BC2C-E0ACF18C6DD6}" type="datetimeFigureOut">
               <a:rPr lang="it-IT" smtClean="0"/>
-              <a:t>21/07/2021</a:t>
+              <a:t>22/07/2021</a:t>
             </a:fld>
             <a:endParaRPr lang="it-IT"/>
           </a:p>
@@ -7965,9 +7965,12 @@
                 <a:latin typeface="Calibri" panose="020F0502020204030204" pitchFamily="34" charset="0"/>
                 <a:cs typeface="Calibri" panose="020F0502020204030204" pitchFamily="34" charset="0"/>
               </a:rPr>
-              <a:t>ON DETECTING ADVERSARIAL PERTURBATIONS</a:t>
+              <a:t>DEFENCES AGAINST ADVERSARIAL ATTACKS</a:t>
             </a:r>
             <a:endParaRPr dirty="0">
+              <a:solidFill>
+                <a:schemeClr val="bg1"/>
+              </a:solidFill>
               <a:latin typeface="Calibri" panose="020F0502020204030204" pitchFamily="34" charset="0"/>
               <a:cs typeface="Calibri" panose="020F0502020204030204" pitchFamily="34" charset="0"/>
             </a:endParaRPr>
@@ -9902,7 +9905,7 @@
                 <a:latin typeface="Calibri" panose="020F0502020204030204" pitchFamily="34" charset="0"/>
                 <a:cs typeface="Calibri" panose="020F0502020204030204" pitchFamily="34" charset="0"/>
               </a:rPr>
-              <a:t> 4, ON DETECTING ADVERSARIAL PERTURBATIONS</a:t>
+              <a:t> 4, DEFENCES AGAINST ADVERSARIAL ATTACKS</a:t>
             </a:r>
             <a:endParaRPr lang="it-IT" sz="1600" dirty="0">
               <a:solidFill>
@@ -16805,10 +16808,10 @@
       </p:pic>
       <p:sp>
         <p:nvSpPr>
-          <p:cNvPr id="30" name="CasellaDiTesto 29">
+          <p:cNvPr id="22" name="CasellaDiTesto 21">
             <a:extLst>
               <a:ext uri="{FF2B5EF4-FFF2-40B4-BE49-F238E27FC236}">
-                <a16:creationId xmlns:a16="http://schemas.microsoft.com/office/drawing/2014/main" id="{5BD171A8-224F-41D6-A6F5-A285F4B73EEF}"/>
+                <a16:creationId xmlns:a16="http://schemas.microsoft.com/office/drawing/2014/main" id="{0C12F701-7206-4E98-9A33-75939661A501}"/>
               </a:ext>
             </a:extLst>
           </p:cNvPr>
@@ -16860,7 +16863,7 @@
                 <a:latin typeface="Calibri" panose="020F0502020204030204" pitchFamily="34" charset="0"/>
                 <a:cs typeface="Calibri" panose="020F0502020204030204" pitchFamily="34" charset="0"/>
               </a:rPr>
-              <a:t> 4, ON DETECTING ADVERSARIAL PERTURBATIONS</a:t>
+              <a:t> 4, DEFENCES AGAINST ADVERSARIAL ATTACKS</a:t>
             </a:r>
             <a:endParaRPr lang="it-IT" sz="1600" dirty="0">
               <a:solidFill>
@@ -18248,10 +18251,10 @@
       </p:pic>
       <p:sp>
         <p:nvSpPr>
-          <p:cNvPr id="17" name="CasellaDiTesto 16">
+          <p:cNvPr id="33" name="CasellaDiTesto 32">
             <a:extLst>
               <a:ext uri="{FF2B5EF4-FFF2-40B4-BE49-F238E27FC236}">
-                <a16:creationId xmlns:a16="http://schemas.microsoft.com/office/drawing/2014/main" id="{E2CC2EDA-D2C4-42BD-889F-454F141AC3EC}"/>
+                <a16:creationId xmlns:a16="http://schemas.microsoft.com/office/drawing/2014/main" id="{7EA088E1-2305-4E14-8BD6-CD4EDD9DCAEB}"/>
               </a:ext>
             </a:extLst>
           </p:cNvPr>
@@ -18303,7 +18306,7 @@
                 <a:latin typeface="Calibri" panose="020F0502020204030204" pitchFamily="34" charset="0"/>
                 <a:cs typeface="Calibri" panose="020F0502020204030204" pitchFamily="34" charset="0"/>
               </a:rPr>
-              <a:t> 4, ON DETECTING ADVERSARIAL PERTURBATIONS</a:t>
+              <a:t> 4, DEFENCES AGAINST ADVERSARIAL ATTACKS</a:t>
             </a:r>
             <a:endParaRPr lang="it-IT" sz="1600" dirty="0">
               <a:solidFill>
@@ -18988,10 +18991,10 @@
       </p:pic>
       <p:sp>
         <p:nvSpPr>
-          <p:cNvPr id="31" name="CasellaDiTesto 30">
+          <p:cNvPr id="12" name="CasellaDiTesto 11">
             <a:extLst>
               <a:ext uri="{FF2B5EF4-FFF2-40B4-BE49-F238E27FC236}">
-                <a16:creationId xmlns:a16="http://schemas.microsoft.com/office/drawing/2014/main" id="{B693D843-A766-4004-B51F-ED2EC1C6757F}"/>
+                <a16:creationId xmlns:a16="http://schemas.microsoft.com/office/drawing/2014/main" id="{224155CB-CA41-44E8-BF40-CF0FB0A81DC1}"/>
               </a:ext>
             </a:extLst>
           </p:cNvPr>
@@ -19043,7 +19046,7 @@
                 <a:latin typeface="Calibri" panose="020F0502020204030204" pitchFamily="34" charset="0"/>
                 <a:cs typeface="Calibri" panose="020F0502020204030204" pitchFamily="34" charset="0"/>
               </a:rPr>
-              <a:t> 4, ON DETECTING ADVERSARIAL PERTURBATIONS</a:t>
+              <a:t> 4, DEFENCES AGAINST ADVERSARIAL ATTACKS</a:t>
             </a:r>
             <a:endParaRPr lang="it-IT" sz="1600" dirty="0">
               <a:solidFill>
@@ -19197,73 +19200,6 @@
           </a:effectLst>
         </p:spPr>
       </p:pic>
-      <p:sp>
-        <p:nvSpPr>
-          <p:cNvPr id="31" name="CasellaDiTesto 30">
-            <a:extLst>
-              <a:ext uri="{FF2B5EF4-FFF2-40B4-BE49-F238E27FC236}">
-                <a16:creationId xmlns:a16="http://schemas.microsoft.com/office/drawing/2014/main" id="{B693D843-A766-4004-B51F-ED2EC1C6757F}"/>
-              </a:ext>
-            </a:extLst>
-          </p:cNvPr>
-          <p:cNvSpPr txBox="1"/>
-          <p:nvPr/>
-        </p:nvSpPr>
-        <p:spPr>
-          <a:xfrm>
-            <a:off x="732800" y="6342935"/>
-            <a:ext cx="9996000" cy="338554"/>
-          </a:xfrm>
-          <a:prstGeom prst="rect">
-            <a:avLst/>
-          </a:prstGeom>
-          <a:noFill/>
-        </p:spPr>
-        <p:txBody>
-          <a:bodyPr wrap="square" rtlCol="0">
-            <a:spAutoFit/>
-          </a:bodyPr>
-          <a:lstStyle/>
-          <a:p>
-            <a:pPr algn="ctr"/>
-            <a:r>
-              <a:rPr lang="it-IT" sz="1600" dirty="0">
-                <a:solidFill>
-                  <a:schemeClr val="bg1"/>
-                </a:solidFill>
-                <a:latin typeface="Calibri" panose="020F0502020204030204" pitchFamily="34" charset="0"/>
-                <a:cs typeface="Calibri" panose="020F0502020204030204" pitchFamily="34" charset="0"/>
-              </a:rPr>
-              <a:t>Alessandro Ristori, </a:t>
-            </a:r>
-            <a:r>
-              <a:rPr lang="it-IT" sz="1600" dirty="0" err="1">
-                <a:solidFill>
-                  <a:schemeClr val="bg1"/>
-                </a:solidFill>
-                <a:latin typeface="Calibri" panose="020F0502020204030204" pitchFamily="34" charset="0"/>
-                <a:cs typeface="Calibri" panose="020F0502020204030204" pitchFamily="34" charset="0"/>
-              </a:rPr>
-              <a:t>Midterm</a:t>
-            </a:r>
-            <a:r>
-              <a:rPr lang="it-IT" sz="1600" dirty="0">
-                <a:solidFill>
-                  <a:schemeClr val="bg1"/>
-                </a:solidFill>
-                <a:latin typeface="Calibri" panose="020F0502020204030204" pitchFamily="34" charset="0"/>
-                <a:cs typeface="Calibri" panose="020F0502020204030204" pitchFamily="34" charset="0"/>
-              </a:rPr>
-              <a:t> 4, ON DETECTING ADVERSARIAL PERTURBATIONS</a:t>
-            </a:r>
-            <a:endParaRPr lang="it-IT" sz="1600" dirty="0">
-              <a:solidFill>
-                <a:schemeClr val="bg1"/>
-              </a:solidFill>
-            </a:endParaRPr>
-          </a:p>
-        </p:txBody>
-      </p:sp>
       <p:pic>
         <p:nvPicPr>
           <p:cNvPr id="13" name="Immagine 12">
@@ -19826,6 +19762,73 @@
           </a:p>
         </p:txBody>
       </p:sp>
+      <p:sp>
+        <p:nvSpPr>
+          <p:cNvPr id="9" name="CasellaDiTesto 8">
+            <a:extLst>
+              <a:ext uri="{FF2B5EF4-FFF2-40B4-BE49-F238E27FC236}">
+                <a16:creationId xmlns:a16="http://schemas.microsoft.com/office/drawing/2014/main" id="{4C71CC5F-6718-4E7A-A8C7-67154E018E96}"/>
+              </a:ext>
+            </a:extLst>
+          </p:cNvPr>
+          <p:cNvSpPr txBox="1"/>
+          <p:nvPr/>
+        </p:nvSpPr>
+        <p:spPr>
+          <a:xfrm>
+            <a:off x="732800" y="6342935"/>
+            <a:ext cx="9996000" cy="338554"/>
+          </a:xfrm>
+          <a:prstGeom prst="rect">
+            <a:avLst/>
+          </a:prstGeom>
+          <a:noFill/>
+        </p:spPr>
+        <p:txBody>
+          <a:bodyPr wrap="square" rtlCol="0">
+            <a:spAutoFit/>
+          </a:bodyPr>
+          <a:lstStyle/>
+          <a:p>
+            <a:pPr algn="ctr"/>
+            <a:r>
+              <a:rPr lang="it-IT" sz="1600" dirty="0">
+                <a:solidFill>
+                  <a:schemeClr val="bg1"/>
+                </a:solidFill>
+                <a:latin typeface="Calibri" panose="020F0502020204030204" pitchFamily="34" charset="0"/>
+                <a:cs typeface="Calibri" panose="020F0502020204030204" pitchFamily="34" charset="0"/>
+              </a:rPr>
+              <a:t>Alessandro Ristori, </a:t>
+            </a:r>
+            <a:r>
+              <a:rPr lang="it-IT" sz="1600" dirty="0" err="1">
+                <a:solidFill>
+                  <a:schemeClr val="bg1"/>
+                </a:solidFill>
+                <a:latin typeface="Calibri" panose="020F0502020204030204" pitchFamily="34" charset="0"/>
+                <a:cs typeface="Calibri" panose="020F0502020204030204" pitchFamily="34" charset="0"/>
+              </a:rPr>
+              <a:t>Midterm</a:t>
+            </a:r>
+            <a:r>
+              <a:rPr lang="it-IT" sz="1600" dirty="0">
+                <a:solidFill>
+                  <a:schemeClr val="bg1"/>
+                </a:solidFill>
+                <a:latin typeface="Calibri" panose="020F0502020204030204" pitchFamily="34" charset="0"/>
+                <a:cs typeface="Calibri" panose="020F0502020204030204" pitchFamily="34" charset="0"/>
+              </a:rPr>
+              <a:t> 4, DEFENCES AGAINST ADVERSARIAL ATTACKS</a:t>
+            </a:r>
+            <a:endParaRPr lang="it-IT" sz="1600" dirty="0">
+              <a:solidFill>
+                <a:schemeClr val="bg1"/>
+              </a:solidFill>
+            </a:endParaRPr>
+          </a:p>
+        </p:txBody>
+      </p:sp>
     </p:spTree>
     <p:extLst>
       <p:ext uri="{BB962C8B-B14F-4D97-AF65-F5344CB8AC3E}">
@@ -19976,73 +19979,6 @@
       </p:pic>
       <p:sp>
         <p:nvSpPr>
-          <p:cNvPr id="31" name="CasellaDiTesto 30">
-            <a:extLst>
-              <a:ext uri="{FF2B5EF4-FFF2-40B4-BE49-F238E27FC236}">
-                <a16:creationId xmlns:a16="http://schemas.microsoft.com/office/drawing/2014/main" id="{B693D843-A766-4004-B51F-ED2EC1C6757F}"/>
-              </a:ext>
-            </a:extLst>
-          </p:cNvPr>
-          <p:cNvSpPr txBox="1"/>
-          <p:nvPr/>
-        </p:nvSpPr>
-        <p:spPr>
-          <a:xfrm>
-            <a:off x="732800" y="6342935"/>
-            <a:ext cx="9996000" cy="338554"/>
-          </a:xfrm>
-          <a:prstGeom prst="rect">
-            <a:avLst/>
-          </a:prstGeom>
-          <a:noFill/>
-        </p:spPr>
-        <p:txBody>
-          <a:bodyPr wrap="square" rtlCol="0">
-            <a:spAutoFit/>
-          </a:bodyPr>
-          <a:lstStyle/>
-          <a:p>
-            <a:pPr algn="ctr"/>
-            <a:r>
-              <a:rPr lang="it-IT" sz="1600" dirty="0">
-                <a:solidFill>
-                  <a:schemeClr val="bg1"/>
-                </a:solidFill>
-                <a:latin typeface="Calibri" panose="020F0502020204030204" pitchFamily="34" charset="0"/>
-                <a:cs typeface="Calibri" panose="020F0502020204030204" pitchFamily="34" charset="0"/>
-              </a:rPr>
-              <a:t>Alessandro Ristori, </a:t>
-            </a:r>
-            <a:r>
-              <a:rPr lang="it-IT" sz="1600" dirty="0" err="1">
-                <a:solidFill>
-                  <a:schemeClr val="bg1"/>
-                </a:solidFill>
-                <a:latin typeface="Calibri" panose="020F0502020204030204" pitchFamily="34" charset="0"/>
-                <a:cs typeface="Calibri" panose="020F0502020204030204" pitchFamily="34" charset="0"/>
-              </a:rPr>
-              <a:t>Midterm</a:t>
-            </a:r>
-            <a:r>
-              <a:rPr lang="it-IT" sz="1600" dirty="0">
-                <a:solidFill>
-                  <a:schemeClr val="bg1"/>
-                </a:solidFill>
-                <a:latin typeface="Calibri" panose="020F0502020204030204" pitchFamily="34" charset="0"/>
-                <a:cs typeface="Calibri" panose="020F0502020204030204" pitchFamily="34" charset="0"/>
-              </a:rPr>
-              <a:t> 4, ON DETECTING ADVERSARIAL PERTURBATIONS</a:t>
-            </a:r>
-            <a:endParaRPr lang="it-IT" sz="1600" dirty="0">
-              <a:solidFill>
-                <a:schemeClr val="bg1"/>
-              </a:solidFill>
-            </a:endParaRPr>
-          </a:p>
-        </p:txBody>
-      </p:sp>
-      <p:sp>
-        <p:nvSpPr>
           <p:cNvPr id="9" name="CasellaDiTesto 8">
             <a:extLst>
               <a:ext uri="{FF2B5EF4-FFF2-40B4-BE49-F238E27FC236}">
@@ -20567,6 +20503,73 @@
           </a:prstGeom>
         </p:spPr>
       </p:pic>
+      <p:sp>
+        <p:nvSpPr>
+          <p:cNvPr id="12" name="CasellaDiTesto 11">
+            <a:extLst>
+              <a:ext uri="{FF2B5EF4-FFF2-40B4-BE49-F238E27FC236}">
+                <a16:creationId xmlns:a16="http://schemas.microsoft.com/office/drawing/2014/main" id="{03985C4A-E812-4CFF-B324-06131EE9597C}"/>
+              </a:ext>
+            </a:extLst>
+          </p:cNvPr>
+          <p:cNvSpPr txBox="1"/>
+          <p:nvPr/>
+        </p:nvSpPr>
+        <p:spPr>
+          <a:xfrm>
+            <a:off x="732800" y="6342935"/>
+            <a:ext cx="9996000" cy="338554"/>
+          </a:xfrm>
+          <a:prstGeom prst="rect">
+            <a:avLst/>
+          </a:prstGeom>
+          <a:noFill/>
+        </p:spPr>
+        <p:txBody>
+          <a:bodyPr wrap="square" rtlCol="0">
+            <a:spAutoFit/>
+          </a:bodyPr>
+          <a:lstStyle/>
+          <a:p>
+            <a:pPr algn="ctr"/>
+            <a:r>
+              <a:rPr lang="it-IT" sz="1600" dirty="0">
+                <a:solidFill>
+                  <a:schemeClr val="bg1"/>
+                </a:solidFill>
+                <a:latin typeface="Calibri" panose="020F0502020204030204" pitchFamily="34" charset="0"/>
+                <a:cs typeface="Calibri" panose="020F0502020204030204" pitchFamily="34" charset="0"/>
+              </a:rPr>
+              <a:t>Alessandro Ristori, </a:t>
+            </a:r>
+            <a:r>
+              <a:rPr lang="it-IT" sz="1600" dirty="0" err="1">
+                <a:solidFill>
+                  <a:schemeClr val="bg1"/>
+                </a:solidFill>
+                <a:latin typeface="Calibri" panose="020F0502020204030204" pitchFamily="34" charset="0"/>
+                <a:cs typeface="Calibri" panose="020F0502020204030204" pitchFamily="34" charset="0"/>
+              </a:rPr>
+              <a:t>Midterm</a:t>
+            </a:r>
+            <a:r>
+              <a:rPr lang="it-IT" sz="1600" dirty="0">
+                <a:solidFill>
+                  <a:schemeClr val="bg1"/>
+                </a:solidFill>
+                <a:latin typeface="Calibri" panose="020F0502020204030204" pitchFamily="34" charset="0"/>
+                <a:cs typeface="Calibri" panose="020F0502020204030204" pitchFamily="34" charset="0"/>
+              </a:rPr>
+              <a:t> 4, DEFENCES AGAINST ADVERSARIAL ATTACKS</a:t>
+            </a:r>
+            <a:endParaRPr lang="it-IT" sz="1600" dirty="0">
+              <a:solidFill>
+                <a:schemeClr val="bg1"/>
+              </a:solidFill>
+            </a:endParaRPr>
+          </a:p>
+        </p:txBody>
+      </p:sp>
     </p:spTree>
     <p:extLst>
       <p:ext uri="{BB962C8B-B14F-4D97-AF65-F5344CB8AC3E}">
@@ -21099,73 +21102,6 @@
           </a:effectLst>
         </p:spPr>
       </p:pic>
-      <p:sp>
-        <p:nvSpPr>
-          <p:cNvPr id="31" name="CasellaDiTesto 30">
-            <a:extLst>
-              <a:ext uri="{FF2B5EF4-FFF2-40B4-BE49-F238E27FC236}">
-                <a16:creationId xmlns:a16="http://schemas.microsoft.com/office/drawing/2014/main" id="{B693D843-A766-4004-B51F-ED2EC1C6757F}"/>
-              </a:ext>
-            </a:extLst>
-          </p:cNvPr>
-          <p:cNvSpPr txBox="1"/>
-          <p:nvPr/>
-        </p:nvSpPr>
-        <p:spPr>
-          <a:xfrm>
-            <a:off x="732800" y="6342935"/>
-            <a:ext cx="9996000" cy="338554"/>
-          </a:xfrm>
-          <a:prstGeom prst="rect">
-            <a:avLst/>
-          </a:prstGeom>
-          <a:noFill/>
-        </p:spPr>
-        <p:txBody>
-          <a:bodyPr wrap="square" rtlCol="0">
-            <a:spAutoFit/>
-          </a:bodyPr>
-          <a:lstStyle/>
-          <a:p>
-            <a:pPr algn="ctr"/>
-            <a:r>
-              <a:rPr lang="it-IT" sz="1600" dirty="0">
-                <a:solidFill>
-                  <a:schemeClr val="bg1"/>
-                </a:solidFill>
-                <a:latin typeface="Calibri" panose="020F0502020204030204" pitchFamily="34" charset="0"/>
-                <a:cs typeface="Calibri" panose="020F0502020204030204" pitchFamily="34" charset="0"/>
-              </a:rPr>
-              <a:t>Alessandro Ristori, </a:t>
-            </a:r>
-            <a:r>
-              <a:rPr lang="it-IT" sz="1600" dirty="0" err="1">
-                <a:solidFill>
-                  <a:schemeClr val="bg1"/>
-                </a:solidFill>
-                <a:latin typeface="Calibri" panose="020F0502020204030204" pitchFamily="34" charset="0"/>
-                <a:cs typeface="Calibri" panose="020F0502020204030204" pitchFamily="34" charset="0"/>
-              </a:rPr>
-              <a:t>Midterm</a:t>
-            </a:r>
-            <a:r>
-              <a:rPr lang="it-IT" sz="1600" dirty="0">
-                <a:solidFill>
-                  <a:schemeClr val="bg1"/>
-                </a:solidFill>
-                <a:latin typeface="Calibri" panose="020F0502020204030204" pitchFamily="34" charset="0"/>
-                <a:cs typeface="Calibri" panose="020F0502020204030204" pitchFamily="34" charset="0"/>
-              </a:rPr>
-              <a:t> 4, ON DETECTING ADVERSARIAL PERTURBATIONS</a:t>
-            </a:r>
-            <a:endParaRPr lang="it-IT" sz="1600" dirty="0">
-              <a:solidFill>
-                <a:schemeClr val="bg1"/>
-              </a:solidFill>
-            </a:endParaRPr>
-          </a:p>
-        </p:txBody>
-      </p:sp>
       <p:pic>
         <p:nvPicPr>
           <p:cNvPr id="11" name="Immagine 10">
@@ -21274,6 +21210,73 @@
           </a:prstGeom>
         </p:spPr>
       </p:pic>
+      <p:sp>
+        <p:nvSpPr>
+          <p:cNvPr id="14" name="CasellaDiTesto 13">
+            <a:extLst>
+              <a:ext uri="{FF2B5EF4-FFF2-40B4-BE49-F238E27FC236}">
+                <a16:creationId xmlns:a16="http://schemas.microsoft.com/office/drawing/2014/main" id="{2FC791A1-322A-4078-987E-1E0271467A35}"/>
+              </a:ext>
+            </a:extLst>
+          </p:cNvPr>
+          <p:cNvSpPr txBox="1"/>
+          <p:nvPr/>
+        </p:nvSpPr>
+        <p:spPr>
+          <a:xfrm>
+            <a:off x="732800" y="6342935"/>
+            <a:ext cx="9996000" cy="338554"/>
+          </a:xfrm>
+          <a:prstGeom prst="rect">
+            <a:avLst/>
+          </a:prstGeom>
+          <a:noFill/>
+        </p:spPr>
+        <p:txBody>
+          <a:bodyPr wrap="square" rtlCol="0">
+            <a:spAutoFit/>
+          </a:bodyPr>
+          <a:lstStyle/>
+          <a:p>
+            <a:pPr algn="ctr"/>
+            <a:r>
+              <a:rPr lang="it-IT" sz="1600" dirty="0">
+                <a:solidFill>
+                  <a:schemeClr val="bg1"/>
+                </a:solidFill>
+                <a:latin typeface="Calibri" panose="020F0502020204030204" pitchFamily="34" charset="0"/>
+                <a:cs typeface="Calibri" panose="020F0502020204030204" pitchFamily="34" charset="0"/>
+              </a:rPr>
+              <a:t>Alessandro Ristori, </a:t>
+            </a:r>
+            <a:r>
+              <a:rPr lang="it-IT" sz="1600" dirty="0" err="1">
+                <a:solidFill>
+                  <a:schemeClr val="bg1"/>
+                </a:solidFill>
+                <a:latin typeface="Calibri" panose="020F0502020204030204" pitchFamily="34" charset="0"/>
+                <a:cs typeface="Calibri" panose="020F0502020204030204" pitchFamily="34" charset="0"/>
+              </a:rPr>
+              <a:t>Midterm</a:t>
+            </a:r>
+            <a:r>
+              <a:rPr lang="it-IT" sz="1600" dirty="0">
+                <a:solidFill>
+                  <a:schemeClr val="bg1"/>
+                </a:solidFill>
+                <a:latin typeface="Calibri" panose="020F0502020204030204" pitchFamily="34" charset="0"/>
+                <a:cs typeface="Calibri" panose="020F0502020204030204" pitchFamily="34" charset="0"/>
+              </a:rPr>
+              <a:t> 4, DEFENCES AGAINST ADVERSARIAL ATTACKS</a:t>
+            </a:r>
+            <a:endParaRPr lang="it-IT" sz="1600" dirty="0">
+              <a:solidFill>
+                <a:schemeClr val="bg1"/>
+              </a:solidFill>
+            </a:endParaRPr>
+          </a:p>
+        </p:txBody>
+      </p:sp>
     </p:spTree>
     <p:extLst>
       <p:ext uri="{BB962C8B-B14F-4D97-AF65-F5344CB8AC3E}">
@@ -21420,73 +21423,6 @@
       </p:pic>
       <p:sp>
         <p:nvSpPr>
-          <p:cNvPr id="31" name="CasellaDiTesto 30">
-            <a:extLst>
-              <a:ext uri="{FF2B5EF4-FFF2-40B4-BE49-F238E27FC236}">
-                <a16:creationId xmlns:a16="http://schemas.microsoft.com/office/drawing/2014/main" id="{B693D843-A766-4004-B51F-ED2EC1C6757F}"/>
-              </a:ext>
-            </a:extLst>
-          </p:cNvPr>
-          <p:cNvSpPr txBox="1"/>
-          <p:nvPr/>
-        </p:nvSpPr>
-        <p:spPr>
-          <a:xfrm>
-            <a:off x="732800" y="6342935"/>
-            <a:ext cx="9996000" cy="338554"/>
-          </a:xfrm>
-          <a:prstGeom prst="rect">
-            <a:avLst/>
-          </a:prstGeom>
-          <a:noFill/>
-        </p:spPr>
-        <p:txBody>
-          <a:bodyPr wrap="square" rtlCol="0">
-            <a:spAutoFit/>
-          </a:bodyPr>
-          <a:lstStyle/>
-          <a:p>
-            <a:pPr algn="ctr"/>
-            <a:r>
-              <a:rPr lang="it-IT" sz="1600" dirty="0">
-                <a:solidFill>
-                  <a:schemeClr val="bg1"/>
-                </a:solidFill>
-                <a:latin typeface="Calibri" panose="020F0502020204030204" pitchFamily="34" charset="0"/>
-                <a:cs typeface="Calibri" panose="020F0502020204030204" pitchFamily="34" charset="0"/>
-              </a:rPr>
-              <a:t>Alessandro Ristori, </a:t>
-            </a:r>
-            <a:r>
-              <a:rPr lang="it-IT" sz="1600" dirty="0" err="1">
-                <a:solidFill>
-                  <a:schemeClr val="bg1"/>
-                </a:solidFill>
-                <a:latin typeface="Calibri" panose="020F0502020204030204" pitchFamily="34" charset="0"/>
-                <a:cs typeface="Calibri" panose="020F0502020204030204" pitchFamily="34" charset="0"/>
-              </a:rPr>
-              <a:t>Midterm</a:t>
-            </a:r>
-            <a:r>
-              <a:rPr lang="it-IT" sz="1600" dirty="0">
-                <a:solidFill>
-                  <a:schemeClr val="bg1"/>
-                </a:solidFill>
-                <a:latin typeface="Calibri" panose="020F0502020204030204" pitchFamily="34" charset="0"/>
-                <a:cs typeface="Calibri" panose="020F0502020204030204" pitchFamily="34" charset="0"/>
-              </a:rPr>
-              <a:t> 4, ON DETECTING ADVERSARIAL PERTURBATIONS</a:t>
-            </a:r>
-            <a:endParaRPr lang="it-IT" sz="1600" dirty="0">
-              <a:solidFill>
-                <a:schemeClr val="bg1"/>
-              </a:solidFill>
-            </a:endParaRPr>
-          </a:p>
-        </p:txBody>
-      </p:sp>
-      <p:sp>
-        <p:nvSpPr>
           <p:cNvPr id="14" name="CasellaDiTesto 13">
             <a:extLst>
               <a:ext uri="{FF2B5EF4-FFF2-40B4-BE49-F238E27FC236}">
@@ -21968,6 +21904,73 @@
               </a:solidFill>
               <a:latin typeface="Calibri" panose="020F0502020204030204" pitchFamily="34" charset="0"/>
               <a:cs typeface="Calibri" panose="020F0502020204030204" pitchFamily="34" charset="0"/>
+            </a:endParaRPr>
+          </a:p>
+        </p:txBody>
+      </p:sp>
+      <p:sp>
+        <p:nvSpPr>
+          <p:cNvPr id="9" name="CasellaDiTesto 8">
+            <a:extLst>
+              <a:ext uri="{FF2B5EF4-FFF2-40B4-BE49-F238E27FC236}">
+                <a16:creationId xmlns:a16="http://schemas.microsoft.com/office/drawing/2014/main" id="{1122458F-4ED5-4227-8D2B-0905D50730BA}"/>
+              </a:ext>
+            </a:extLst>
+          </p:cNvPr>
+          <p:cNvSpPr txBox="1"/>
+          <p:nvPr/>
+        </p:nvSpPr>
+        <p:spPr>
+          <a:xfrm>
+            <a:off x="732800" y="6342935"/>
+            <a:ext cx="9996000" cy="338554"/>
+          </a:xfrm>
+          <a:prstGeom prst="rect">
+            <a:avLst/>
+          </a:prstGeom>
+          <a:noFill/>
+        </p:spPr>
+        <p:txBody>
+          <a:bodyPr wrap="square" rtlCol="0">
+            <a:spAutoFit/>
+          </a:bodyPr>
+          <a:lstStyle/>
+          <a:p>
+            <a:pPr algn="ctr"/>
+            <a:r>
+              <a:rPr lang="it-IT" sz="1600" dirty="0">
+                <a:solidFill>
+                  <a:schemeClr val="bg1"/>
+                </a:solidFill>
+                <a:latin typeface="Calibri" panose="020F0502020204030204" pitchFamily="34" charset="0"/>
+                <a:cs typeface="Calibri" panose="020F0502020204030204" pitchFamily="34" charset="0"/>
+              </a:rPr>
+              <a:t>Alessandro Ristori, </a:t>
+            </a:r>
+            <a:r>
+              <a:rPr lang="it-IT" sz="1600" dirty="0" err="1">
+                <a:solidFill>
+                  <a:schemeClr val="bg1"/>
+                </a:solidFill>
+                <a:latin typeface="Calibri" panose="020F0502020204030204" pitchFamily="34" charset="0"/>
+                <a:cs typeface="Calibri" panose="020F0502020204030204" pitchFamily="34" charset="0"/>
+              </a:rPr>
+              <a:t>Midterm</a:t>
+            </a:r>
+            <a:r>
+              <a:rPr lang="it-IT" sz="1600" dirty="0">
+                <a:solidFill>
+                  <a:schemeClr val="bg1"/>
+                </a:solidFill>
+                <a:latin typeface="Calibri" panose="020F0502020204030204" pitchFamily="34" charset="0"/>
+                <a:cs typeface="Calibri" panose="020F0502020204030204" pitchFamily="34" charset="0"/>
+              </a:rPr>
+              <a:t> 4, DEFENCES AGAINST ADVERSARIAL ATTACKS</a:t>
+            </a:r>
+            <a:endParaRPr lang="it-IT" sz="1600" dirty="0">
+              <a:solidFill>
+                <a:schemeClr val="bg1"/>
+              </a:solidFill>
             </a:endParaRPr>
           </a:p>
         </p:txBody>
